--- a/Homelessness Presentation.pptx
+++ b/Homelessness Presentation.pptx
@@ -18183,7 +18183,7 @@
           <a:p>
             <a:fld id="{BB9F3D43-0DB2-4B11-A232-CF1303BA9BE5}" type="datetimeFigureOut">
               <a:rPr lang="en-US" smtClean="0"/>
-              <a:t>6/30/2019</a:t>
+              <a:t>7/1/2019</a:t>
             </a:fld>
             <a:endParaRPr lang="en-US"/>
           </a:p>
@@ -18621,7 +18621,7 @@
           <a:p>
             <a:fld id="{A3EB58A6-124D-4611-9DD2-CB5148555491}" type="datetimeFigureOut">
               <a:rPr lang="en-US" smtClean="0"/>
-              <a:t>6/30/2019</a:t>
+              <a:t>7/1/2019</a:t>
             </a:fld>
             <a:endParaRPr lang="en-US"/>
           </a:p>
@@ -18933,7 +18933,7 @@
           <a:p>
             <a:fld id="{A3EB58A6-124D-4611-9DD2-CB5148555491}" type="datetimeFigureOut">
               <a:rPr lang="en-US" smtClean="0"/>
-              <a:t>6/30/2019</a:t>
+              <a:t>7/1/2019</a:t>
             </a:fld>
             <a:endParaRPr lang="en-US"/>
           </a:p>
@@ -19155,7 +19155,7 @@
           <a:p>
             <a:fld id="{A3EB58A6-124D-4611-9DD2-CB5148555491}" type="datetimeFigureOut">
               <a:rPr lang="en-US" smtClean="0"/>
-              <a:t>6/30/2019</a:t>
+              <a:t>7/1/2019</a:t>
             </a:fld>
             <a:endParaRPr lang="en-US"/>
           </a:p>
@@ -19446,7 +19446,7 @@
           <a:p>
             <a:fld id="{A3EB58A6-124D-4611-9DD2-CB5148555491}" type="datetimeFigureOut">
               <a:rPr lang="en-US" smtClean="0"/>
-              <a:t>6/30/2019</a:t>
+              <a:t>7/1/2019</a:t>
             </a:fld>
             <a:endParaRPr lang="en-US"/>
           </a:p>
@@ -19900,7 +19900,7 @@
           <a:p>
             <a:fld id="{A3EB58A6-124D-4611-9DD2-CB5148555491}" type="datetimeFigureOut">
               <a:rPr lang="en-US" smtClean="0"/>
-              <a:t>6/30/2019</a:t>
+              <a:t>7/1/2019</a:t>
             </a:fld>
             <a:endParaRPr lang="en-US"/>
           </a:p>
@@ -20476,7 +20476,7 @@
           <a:p>
             <a:fld id="{A3EB58A6-124D-4611-9DD2-CB5148555491}" type="datetimeFigureOut">
               <a:rPr lang="en-US" smtClean="0"/>
-              <a:t>6/30/2019</a:t>
+              <a:t>7/1/2019</a:t>
             </a:fld>
             <a:endParaRPr lang="en-US"/>
           </a:p>
@@ -21328,7 +21328,7 @@
           <a:p>
             <a:fld id="{A3EB58A6-124D-4611-9DD2-CB5148555491}" type="datetimeFigureOut">
               <a:rPr lang="en-US" smtClean="0"/>
-              <a:t>6/30/2019</a:t>
+              <a:t>7/1/2019</a:t>
             </a:fld>
             <a:endParaRPr lang="en-US"/>
           </a:p>
@@ -21533,7 +21533,7 @@
           <a:p>
             <a:fld id="{A3EB58A6-124D-4611-9DD2-CB5148555491}" type="datetimeFigureOut">
               <a:rPr lang="en-US" smtClean="0"/>
-              <a:t>6/30/2019</a:t>
+              <a:t>7/1/2019</a:t>
             </a:fld>
             <a:endParaRPr lang="en-US"/>
           </a:p>
@@ -21747,7 +21747,7 @@
           <a:p>
             <a:fld id="{A3EB58A6-124D-4611-9DD2-CB5148555491}" type="datetimeFigureOut">
               <a:rPr lang="en-US" smtClean="0"/>
-              <a:t>6/30/2019</a:t>
+              <a:t>7/1/2019</a:t>
             </a:fld>
             <a:endParaRPr lang="en-US"/>
           </a:p>
@@ -21917,7 +21917,7 @@
           <a:p>
             <a:fld id="{A3EB58A6-124D-4611-9DD2-CB5148555491}" type="datetimeFigureOut">
               <a:rPr lang="en-US" smtClean="0"/>
-              <a:t>6/30/2019</a:t>
+              <a:t>7/1/2019</a:t>
             </a:fld>
             <a:endParaRPr lang="en-US"/>
           </a:p>
@@ -22122,7 +22122,7 @@
           <a:p>
             <a:fld id="{A3EB58A6-124D-4611-9DD2-CB5148555491}" type="datetimeFigureOut">
               <a:rPr lang="en-US" smtClean="0"/>
-              <a:t>6/30/2019</a:t>
+              <a:t>7/1/2019</a:t>
             </a:fld>
             <a:endParaRPr lang="en-US"/>
           </a:p>
@@ -22402,7 +22402,7 @@
           <a:p>
             <a:fld id="{A3EB58A6-124D-4611-9DD2-CB5148555491}" type="datetimeFigureOut">
               <a:rPr lang="en-US" smtClean="0"/>
-              <a:t>6/30/2019</a:t>
+              <a:t>7/1/2019</a:t>
             </a:fld>
             <a:endParaRPr lang="en-US"/>
           </a:p>
@@ -22669,7 +22669,7 @@
           <a:p>
             <a:fld id="{A3EB58A6-124D-4611-9DD2-CB5148555491}" type="datetimeFigureOut">
               <a:rPr lang="en-US" smtClean="0"/>
-              <a:t>6/30/2019</a:t>
+              <a:t>7/1/2019</a:t>
             </a:fld>
             <a:endParaRPr lang="en-US"/>
           </a:p>
@@ -23084,7 +23084,7 @@
           <a:p>
             <a:fld id="{A3EB58A6-124D-4611-9DD2-CB5148555491}" type="datetimeFigureOut">
               <a:rPr lang="en-US" smtClean="0"/>
-              <a:t>6/30/2019</a:t>
+              <a:t>7/1/2019</a:t>
             </a:fld>
             <a:endParaRPr lang="en-US"/>
           </a:p>
@@ -23232,7 +23232,7 @@
           <a:p>
             <a:fld id="{A3EB58A6-124D-4611-9DD2-CB5148555491}" type="datetimeFigureOut">
               <a:rPr lang="en-US" smtClean="0"/>
-              <a:t>6/30/2019</a:t>
+              <a:t>7/1/2019</a:t>
             </a:fld>
             <a:endParaRPr lang="en-US"/>
           </a:p>
@@ -23357,7 +23357,7 @@
           <a:p>
             <a:fld id="{A3EB58A6-124D-4611-9DD2-CB5148555491}" type="datetimeFigureOut">
               <a:rPr lang="en-US" smtClean="0"/>
-              <a:t>6/30/2019</a:t>
+              <a:t>7/1/2019</a:t>
             </a:fld>
             <a:endParaRPr lang="en-US"/>
           </a:p>
@@ -23636,7 +23636,7 @@
           <a:p>
             <a:fld id="{A3EB58A6-124D-4611-9DD2-CB5148555491}" type="datetimeFigureOut">
               <a:rPr lang="en-US" smtClean="0"/>
-              <a:t>6/30/2019</a:t>
+              <a:t>7/1/2019</a:t>
             </a:fld>
             <a:endParaRPr lang="en-US"/>
           </a:p>
@@ -23948,7 +23948,7 @@
           <a:p>
             <a:fld id="{A3EB58A6-124D-4611-9DD2-CB5148555491}" type="datetimeFigureOut">
               <a:rPr lang="en-US" smtClean="0"/>
-              <a:t>6/30/2019</a:t>
+              <a:t>7/1/2019</a:t>
             </a:fld>
             <a:endParaRPr lang="en-US"/>
           </a:p>
@@ -24201,7 +24201,7 @@
           <a:p>
             <a:fld id="{A3EB58A6-124D-4611-9DD2-CB5148555491}" type="datetimeFigureOut">
               <a:rPr lang="en-US" smtClean="0"/>
-              <a:t>6/30/2019</a:t>
+              <a:t>7/1/2019</a:t>
             </a:fld>
             <a:endParaRPr lang="en-US"/>
           </a:p>
@@ -24761,6 +24761,28 @@
 <file path=ppt/slides/slide10.xml><?xml version="1.0" encoding="utf-8"?>
 <p:sld xmlns:a="http://schemas.openxmlformats.org/drawingml/2006/main" xmlns:r="http://schemas.openxmlformats.org/officeDocument/2006/relationships" xmlns:p="http://schemas.openxmlformats.org/presentationml/2006/main">
   <p:cSld>
+    <p:bg>
+      <p:bgPr>
+        <a:gradFill rotWithShape="1">
+          <a:gsLst>
+            <a:gs pos="0">
+              <a:schemeClr val="bg1">
+                <a:tint val="90000"/>
+                <a:lumMod val="110000"/>
+              </a:schemeClr>
+            </a:gs>
+            <a:gs pos="100000">
+              <a:schemeClr val="bg1">
+                <a:shade val="64000"/>
+                <a:lumMod val="88000"/>
+              </a:schemeClr>
+            </a:gs>
+          </a:gsLst>
+          <a:lin ang="5400000" scaled="0"/>
+        </a:gradFill>
+        <a:effectLst/>
+      </p:bgPr>
+    </p:bg>
     <p:spTree>
       <p:nvGrpSpPr>
         <p:cNvPr id="1" name=""/>
@@ -24775,34 +24797,162 @@
           <a:chExt cx="0" cy="0"/>
         </a:xfrm>
       </p:grpSpPr>
-      <p:sp>
+      <p:sp useBgFill="1">
         <p:nvSpPr>
-          <p:cNvPr id="2" name="Title 1">
+          <p:cNvPr id="9" name="Rectangle 8">
             <a:extLst>
               <a:ext uri="{FF2B5EF4-FFF2-40B4-BE49-F238E27FC236}">
-                <a16:creationId xmlns:a16="http://schemas.microsoft.com/office/drawing/2014/main" id="{F6DE8907-1B3B-42F4-802E-89DE07859300}"/>
+                <a16:creationId xmlns:a16="http://schemas.microsoft.com/office/drawing/2014/main" id="{10D21FCB-56CB-4EFA-A79A-A9A8EC0F722E}"/>
+              </a:ext>
+              <a:ext uri="{C183D7F6-B498-43B3-948B-1728B52AA6E4}">
+                <adec:decorative xmlns:adec="http://schemas.microsoft.com/office/drawing/2017/decorative" val="1"/>
               </a:ext>
             </a:extLst>
           </p:cNvPr>
           <p:cNvSpPr>
-            <a:spLocks noGrp="1"/>
+            <a:spLocks noGrp="1" noRot="1" noChangeAspect="1" noMove="1" noResize="1" noEditPoints="1" noAdjustHandles="1" noChangeArrowheads="1" noChangeShapeType="1" noTextEdit="1"/>
           </p:cNvSpPr>
           <p:nvPr>
-            <p:ph type="title"/>
+            <p:extLst>
+              <p:ext uri="{386F3935-93C4-4BCD-93E2-E3B085C9AB24}">
+                <p16:designElem xmlns:p16="http://schemas.microsoft.com/office/powerpoint/2015/main" val="1"/>
+              </p:ext>
+            </p:extLst>
           </p:nvPr>
         </p:nvSpPr>
-        <p:spPr/>
+        <p:spPr>
+          <a:xfrm>
+            <a:off x="0" y="0"/>
+            <a:ext cx="12192000" cy="6858000"/>
+          </a:xfrm>
+          <a:prstGeom prst="rect">
+            <a:avLst/>
+          </a:prstGeom>
+          <a:ln>
+            <a:noFill/>
+          </a:ln>
+        </p:spPr>
+        <p:style>
+          <a:lnRef idx="2">
+            <a:schemeClr val="accent1">
+              <a:shade val="50000"/>
+            </a:schemeClr>
+          </a:lnRef>
+          <a:fillRef idx="1">
+            <a:schemeClr val="accent1"/>
+          </a:fillRef>
+          <a:effectRef idx="0">
+            <a:schemeClr val="accent1"/>
+          </a:effectRef>
+          <a:fontRef idx="minor">
+            <a:schemeClr val="lt1"/>
+          </a:fontRef>
+        </p:style>
         <p:txBody>
-          <a:bodyPr/>
+          <a:bodyPr rtlCol="0" anchor="ctr"/>
           <a:lstStyle/>
           <a:p>
-            <a:r>
-              <a:rPr lang="en-US" dirty="0"/>
-              <a:t>&lt;insert graph&gt;</a:t>
-            </a:r>
+            <a:pPr algn="ctr"/>
+            <a:endParaRPr lang="en-US"/>
           </a:p>
         </p:txBody>
       </p:sp>
+      <p:pic>
+        <p:nvPicPr>
+          <p:cNvPr id="4" name="Picture 3">
+            <a:extLst>
+              <a:ext uri="{FF2B5EF4-FFF2-40B4-BE49-F238E27FC236}">
+                <a16:creationId xmlns:a16="http://schemas.microsoft.com/office/drawing/2014/main" id="{7CBFA507-853F-4CB8-A8CB-861C444852F1}"/>
+              </a:ext>
+            </a:extLst>
+          </p:cNvPr>
+          <p:cNvPicPr>
+            <a:picLocks noChangeAspect="1"/>
+          </p:cNvPicPr>
+          <p:nvPr/>
+        </p:nvPicPr>
+        <p:blipFill>
+          <a:blip r:embed="rId2"/>
+          <a:stretch>
+            <a:fillRect/>
+          </a:stretch>
+        </p:blipFill>
+        <p:spPr>
+          <a:xfrm>
+            <a:off x="5078061" y="1061343"/>
+            <a:ext cx="6200163" cy="4278112"/>
+          </a:xfrm>
+          <a:prstGeom prst="roundRect">
+            <a:avLst>
+              <a:gd name="adj" fmla="val 2392"/>
+            </a:avLst>
+          </a:prstGeom>
+          <a:ln w="82550" cap="sq">
+            <a:solidFill>
+              <a:srgbClr val="EAEAEA"/>
+            </a:solidFill>
+            <a:miter lim="800000"/>
+          </a:ln>
+          <a:effectLst/>
+          <a:scene3d>
+            <a:camera prst="orthographicFront"/>
+            <a:lightRig rig="threePt" dir="t">
+              <a:rot lat="0" lon="0" rev="2700000"/>
+            </a:lightRig>
+          </a:scene3d>
+          <a:sp3d contourW="6350">
+            <a:bevelT h="38100"/>
+            <a:contourClr>
+              <a:srgbClr val="C0C0C0"/>
+            </a:contourClr>
+          </a:sp3d>
+        </p:spPr>
+      </p:pic>
+      <p:pic>
+        <p:nvPicPr>
+          <p:cNvPr id="11" name="Picture 10">
+            <a:extLst>
+              <a:ext uri="{FF2B5EF4-FFF2-40B4-BE49-F238E27FC236}">
+                <a16:creationId xmlns:a16="http://schemas.microsoft.com/office/drawing/2014/main" id="{B1027BD9-272C-4CC4-9396-1708F8B1F40D}"/>
+              </a:ext>
+              <a:ext uri="{C183D7F6-B498-43B3-948B-1728B52AA6E4}">
+                <adec:decorative xmlns:adec="http://schemas.microsoft.com/office/drawing/2017/decorative" val="1"/>
+              </a:ext>
+            </a:extLst>
+          </p:cNvPr>
+          <p:cNvPicPr>
+            <a:picLocks noGrp="1" noRot="1" noChangeAspect="1" noMove="1" noResize="1" noEditPoints="1" noAdjustHandles="1" noChangeArrowheads="1" noChangeShapeType="1" noCrop="1"/>
+          </p:cNvPicPr>
+          <p:nvPr>
+            <p:extLst>
+              <p:ext uri="{386F3935-93C4-4BCD-93E2-E3B085C9AB24}">
+                <p16:designElem xmlns:p16="http://schemas.microsoft.com/office/powerpoint/2015/main" val="1"/>
+              </p:ext>
+            </p:extLst>
+          </p:nvPr>
+        </p:nvPicPr>
+        <p:blipFill>
+          <a:blip r:embed="rId3">
+            <a:extLst>
+              <a:ext uri="{28A0092B-C50C-407E-A947-70E740481C1C}">
+                <a14:useLocalDpi xmlns:a14="http://schemas.microsoft.com/office/drawing/2010/main" val="0"/>
+              </a:ext>
+            </a:extLst>
+          </a:blip>
+          <a:stretch>
+            <a:fillRect/>
+          </a:stretch>
+        </p:blipFill>
+        <p:spPr>
+          <a:xfrm>
+            <a:off x="0" y="0"/>
+            <a:ext cx="12192000" cy="6858000"/>
+          </a:xfrm>
+          <a:prstGeom prst="rect">
+            <a:avLst/>
+          </a:prstGeom>
+        </p:spPr>
+      </p:pic>
       <p:sp>
         <p:nvSpPr>
           <p:cNvPr id="3" name="Content Placeholder 2">
@@ -24819,7 +24969,12 @@
             <p:ph idx="1"/>
           </p:nvPr>
         </p:nvSpPr>
-        <p:spPr/>
+        <p:spPr>
+          <a:xfrm>
+            <a:off x="913776" y="1488345"/>
+            <a:ext cx="3893978" cy="3424107"/>
+          </a:xfrm>
+        </p:spPr>
         <p:txBody>
           <a:bodyPr>
             <a:normAutofit/>
@@ -24827,10 +24982,13 @@
           <a:lstStyle/>
           <a:p>
             <a:pPr marL="0" indent="0">
+              <a:lnSpc>
+                <a:spcPct val="110000"/>
+              </a:lnSpc>
               <a:buNone/>
             </a:pPr>
             <a:r>
-              <a:rPr lang="en-US" dirty="0"/>
+              <a:rPr lang="en-US" sz="1600" dirty="0"/>
               <a:t>Despite having the highest median household income, Washington DC holds the highest concentration of homeless individuals within their population at 1.07%. With such a high median income, more households are likely to fall under the poverty line, which hold just under 17% of their total population. This is also compounded by their unemployment rate of 6.1%, which is the second highest in the nation.</a:t>
             </a:r>
           </a:p>
@@ -24852,6 +25010,28 @@
 <file path=ppt/slides/slide11.xml><?xml version="1.0" encoding="utf-8"?>
 <p:sld xmlns:a="http://schemas.openxmlformats.org/drawingml/2006/main" xmlns:r="http://schemas.openxmlformats.org/officeDocument/2006/relationships" xmlns:p="http://schemas.openxmlformats.org/presentationml/2006/main">
   <p:cSld>
+    <p:bg>
+      <p:bgPr>
+        <a:gradFill rotWithShape="1">
+          <a:gsLst>
+            <a:gs pos="0">
+              <a:schemeClr val="bg1">
+                <a:tint val="90000"/>
+                <a:lumMod val="110000"/>
+              </a:schemeClr>
+            </a:gs>
+            <a:gs pos="100000">
+              <a:schemeClr val="bg1">
+                <a:shade val="64000"/>
+                <a:lumMod val="88000"/>
+              </a:schemeClr>
+            </a:gs>
+          </a:gsLst>
+          <a:lin ang="5400000" scaled="0"/>
+        </a:gradFill>
+        <a:effectLst/>
+      </p:bgPr>
+    </p:bg>
     <p:spTree>
       <p:nvGrpSpPr>
         <p:cNvPr id="1" name=""/>
@@ -24866,34 +25046,162 @@
           <a:chExt cx="0" cy="0"/>
         </a:xfrm>
       </p:grpSpPr>
-      <p:sp>
+      <p:sp useBgFill="1">
         <p:nvSpPr>
-          <p:cNvPr id="2" name="Title 1">
+          <p:cNvPr id="9" name="Rectangle 8">
             <a:extLst>
               <a:ext uri="{FF2B5EF4-FFF2-40B4-BE49-F238E27FC236}">
-                <a16:creationId xmlns:a16="http://schemas.microsoft.com/office/drawing/2014/main" id="{F6DE8907-1B3B-42F4-802E-89DE07859300}"/>
+                <a16:creationId xmlns:a16="http://schemas.microsoft.com/office/drawing/2014/main" id="{10D21FCB-56CB-4EFA-A79A-A9A8EC0F722E}"/>
+              </a:ext>
+              <a:ext uri="{C183D7F6-B498-43B3-948B-1728B52AA6E4}">
+                <adec:decorative xmlns:adec="http://schemas.microsoft.com/office/drawing/2017/decorative" val="1"/>
               </a:ext>
             </a:extLst>
           </p:cNvPr>
           <p:cNvSpPr>
-            <a:spLocks noGrp="1"/>
+            <a:spLocks noGrp="1" noRot="1" noChangeAspect="1" noMove="1" noResize="1" noEditPoints="1" noAdjustHandles="1" noChangeArrowheads="1" noChangeShapeType="1" noTextEdit="1"/>
           </p:cNvSpPr>
           <p:nvPr>
-            <p:ph type="title"/>
+            <p:extLst>
+              <p:ext uri="{386F3935-93C4-4BCD-93E2-E3B085C9AB24}">
+                <p16:designElem xmlns:p16="http://schemas.microsoft.com/office/powerpoint/2015/main" val="1"/>
+              </p:ext>
+            </p:extLst>
           </p:nvPr>
         </p:nvSpPr>
-        <p:spPr/>
+        <p:spPr>
+          <a:xfrm>
+            <a:off x="0" y="0"/>
+            <a:ext cx="12192000" cy="6858000"/>
+          </a:xfrm>
+          <a:prstGeom prst="rect">
+            <a:avLst/>
+          </a:prstGeom>
+          <a:ln>
+            <a:noFill/>
+          </a:ln>
+        </p:spPr>
+        <p:style>
+          <a:lnRef idx="2">
+            <a:schemeClr val="accent1">
+              <a:shade val="50000"/>
+            </a:schemeClr>
+          </a:lnRef>
+          <a:fillRef idx="1">
+            <a:schemeClr val="accent1"/>
+          </a:fillRef>
+          <a:effectRef idx="0">
+            <a:schemeClr val="accent1"/>
+          </a:effectRef>
+          <a:fontRef idx="minor">
+            <a:schemeClr val="lt1"/>
+          </a:fontRef>
+        </p:style>
         <p:txBody>
-          <a:bodyPr/>
+          <a:bodyPr rtlCol="0" anchor="ctr"/>
           <a:lstStyle/>
           <a:p>
-            <a:r>
-              <a:rPr lang="en-US" dirty="0"/>
-              <a:t>&lt;insert graph&gt;</a:t>
-            </a:r>
+            <a:pPr algn="ctr"/>
+            <a:endParaRPr lang="en-US"/>
           </a:p>
         </p:txBody>
       </p:sp>
+      <p:pic>
+        <p:nvPicPr>
+          <p:cNvPr id="4" name="Picture 3">
+            <a:extLst>
+              <a:ext uri="{FF2B5EF4-FFF2-40B4-BE49-F238E27FC236}">
+                <a16:creationId xmlns:a16="http://schemas.microsoft.com/office/drawing/2014/main" id="{6337EED1-9DC0-4E1C-8B3F-BD41E63D5C79}"/>
+              </a:ext>
+            </a:extLst>
+          </p:cNvPr>
+          <p:cNvPicPr>
+            <a:picLocks noChangeAspect="1"/>
+          </p:cNvPicPr>
+          <p:nvPr/>
+        </p:nvPicPr>
+        <p:blipFill>
+          <a:blip r:embed="rId2"/>
+          <a:stretch>
+            <a:fillRect/>
+          </a:stretch>
+        </p:blipFill>
+        <p:spPr>
+          <a:xfrm>
+            <a:off x="5078061" y="1278349"/>
+            <a:ext cx="6200163" cy="3844101"/>
+          </a:xfrm>
+          <a:prstGeom prst="roundRect">
+            <a:avLst>
+              <a:gd name="adj" fmla="val 2392"/>
+            </a:avLst>
+          </a:prstGeom>
+          <a:ln w="82550" cap="sq">
+            <a:solidFill>
+              <a:srgbClr val="EAEAEA"/>
+            </a:solidFill>
+            <a:miter lim="800000"/>
+          </a:ln>
+          <a:effectLst/>
+          <a:scene3d>
+            <a:camera prst="orthographicFront"/>
+            <a:lightRig rig="threePt" dir="t">
+              <a:rot lat="0" lon="0" rev="2700000"/>
+            </a:lightRig>
+          </a:scene3d>
+          <a:sp3d contourW="6350">
+            <a:bevelT h="38100"/>
+            <a:contourClr>
+              <a:srgbClr val="C0C0C0"/>
+            </a:contourClr>
+          </a:sp3d>
+        </p:spPr>
+      </p:pic>
+      <p:pic>
+        <p:nvPicPr>
+          <p:cNvPr id="11" name="Picture 10">
+            <a:extLst>
+              <a:ext uri="{FF2B5EF4-FFF2-40B4-BE49-F238E27FC236}">
+                <a16:creationId xmlns:a16="http://schemas.microsoft.com/office/drawing/2014/main" id="{B1027BD9-272C-4CC4-9396-1708F8B1F40D}"/>
+              </a:ext>
+              <a:ext uri="{C183D7F6-B498-43B3-948B-1728B52AA6E4}">
+                <adec:decorative xmlns:adec="http://schemas.microsoft.com/office/drawing/2017/decorative" val="1"/>
+              </a:ext>
+            </a:extLst>
+          </p:cNvPr>
+          <p:cNvPicPr>
+            <a:picLocks noGrp="1" noRot="1" noChangeAspect="1" noMove="1" noResize="1" noEditPoints="1" noAdjustHandles="1" noChangeArrowheads="1" noChangeShapeType="1" noCrop="1"/>
+          </p:cNvPicPr>
+          <p:nvPr>
+            <p:extLst>
+              <p:ext uri="{386F3935-93C4-4BCD-93E2-E3B085C9AB24}">
+                <p16:designElem xmlns:p16="http://schemas.microsoft.com/office/powerpoint/2015/main" val="1"/>
+              </p:ext>
+            </p:extLst>
+          </p:nvPr>
+        </p:nvPicPr>
+        <p:blipFill>
+          <a:blip r:embed="rId3">
+            <a:extLst>
+              <a:ext uri="{28A0092B-C50C-407E-A947-70E740481C1C}">
+                <a14:useLocalDpi xmlns:a14="http://schemas.microsoft.com/office/drawing/2010/main" val="0"/>
+              </a:ext>
+            </a:extLst>
+          </a:blip>
+          <a:stretch>
+            <a:fillRect/>
+          </a:stretch>
+        </p:blipFill>
+        <p:spPr>
+          <a:xfrm>
+            <a:off x="0" y="0"/>
+            <a:ext cx="12192000" cy="6858000"/>
+          </a:xfrm>
+          <a:prstGeom prst="rect">
+            <a:avLst/>
+          </a:prstGeom>
+        </p:spPr>
+      </p:pic>
       <p:sp>
         <p:nvSpPr>
           <p:cNvPr id="3" name="Content Placeholder 2">
@@ -24910,7 +25218,12 @@
             <p:ph idx="1"/>
           </p:nvPr>
         </p:nvSpPr>
-        <p:spPr/>
+        <p:spPr>
+          <a:xfrm>
+            <a:off x="913776" y="1488345"/>
+            <a:ext cx="3893978" cy="3424107"/>
+          </a:xfrm>
+        </p:spPr>
         <p:txBody>
           <a:bodyPr>
             <a:normAutofit/>
@@ -24921,7 +25234,7 @@
               <a:buNone/>
             </a:pPr>
             <a:r>
-              <a:rPr lang="en-US" dirty="0"/>
+              <a:rPr lang="en-US" sz="1600" dirty="0"/>
               <a:t>Conversely, New Hampshire is on the opposite end of the homeless population spectrum. With the lowest poverty rate in the nation and a rate of unemployment second only to Hawaii, we can use these economic indicators to establish New Hampshire as the state with the lowest homeless population rate in the United States.</a:t>
             </a:r>
           </a:p>
@@ -24943,6 +25256,28 @@
 <file path=ppt/slides/slide12.xml><?xml version="1.0" encoding="utf-8"?>
 <p:sld xmlns:a="http://schemas.openxmlformats.org/drawingml/2006/main" xmlns:r="http://schemas.openxmlformats.org/officeDocument/2006/relationships" xmlns:p="http://schemas.openxmlformats.org/presentationml/2006/main">
   <p:cSld>
+    <p:bg>
+      <p:bgPr>
+        <a:gradFill rotWithShape="1">
+          <a:gsLst>
+            <a:gs pos="0">
+              <a:schemeClr val="bg1">
+                <a:tint val="90000"/>
+                <a:lumMod val="110000"/>
+              </a:schemeClr>
+            </a:gs>
+            <a:gs pos="100000">
+              <a:schemeClr val="bg1">
+                <a:shade val="64000"/>
+                <a:lumMod val="88000"/>
+              </a:schemeClr>
+            </a:gs>
+          </a:gsLst>
+          <a:lin ang="5400000" scaled="0"/>
+        </a:gradFill>
+        <a:effectLst/>
+      </p:bgPr>
+    </p:bg>
     <p:spTree>
       <p:nvGrpSpPr>
         <p:cNvPr id="1" name=""/>
@@ -24957,34 +25292,162 @@
           <a:chExt cx="0" cy="0"/>
         </a:xfrm>
       </p:grpSpPr>
-      <p:sp>
+      <p:sp useBgFill="1">
         <p:nvSpPr>
-          <p:cNvPr id="2" name="Title 1">
+          <p:cNvPr id="9" name="Rectangle 8">
             <a:extLst>
               <a:ext uri="{FF2B5EF4-FFF2-40B4-BE49-F238E27FC236}">
-                <a16:creationId xmlns:a16="http://schemas.microsoft.com/office/drawing/2014/main" id="{F6DE8907-1B3B-42F4-802E-89DE07859300}"/>
+                <a16:creationId xmlns:a16="http://schemas.microsoft.com/office/drawing/2014/main" id="{48FE65CB-EFD8-497D-A30A-093E20EACB05}"/>
+              </a:ext>
+              <a:ext uri="{C183D7F6-B498-43B3-948B-1728B52AA6E4}">
+                <adec:decorative xmlns:adec="http://schemas.microsoft.com/office/drawing/2017/decorative" val="1"/>
               </a:ext>
             </a:extLst>
           </p:cNvPr>
           <p:cNvSpPr>
-            <a:spLocks noGrp="1"/>
+            <a:spLocks noGrp="1" noRot="1" noChangeAspect="1" noMove="1" noResize="1" noEditPoints="1" noAdjustHandles="1" noChangeArrowheads="1" noChangeShapeType="1" noTextEdit="1"/>
           </p:cNvSpPr>
           <p:nvPr>
-            <p:ph type="title"/>
+            <p:extLst>
+              <p:ext uri="{386F3935-93C4-4BCD-93E2-E3B085C9AB24}">
+                <p16:designElem xmlns:p16="http://schemas.microsoft.com/office/powerpoint/2015/main" val="1"/>
+              </p:ext>
+            </p:extLst>
           </p:nvPr>
         </p:nvSpPr>
-        <p:spPr/>
+        <p:spPr>
+          <a:xfrm>
+            <a:off x="0" y="0"/>
+            <a:ext cx="12192000" cy="6858000"/>
+          </a:xfrm>
+          <a:prstGeom prst="rect">
+            <a:avLst/>
+          </a:prstGeom>
+          <a:ln>
+            <a:noFill/>
+          </a:ln>
+        </p:spPr>
+        <p:style>
+          <a:lnRef idx="2">
+            <a:schemeClr val="accent1">
+              <a:shade val="50000"/>
+            </a:schemeClr>
+          </a:lnRef>
+          <a:fillRef idx="1">
+            <a:schemeClr val="accent1"/>
+          </a:fillRef>
+          <a:effectRef idx="0">
+            <a:schemeClr val="accent1"/>
+          </a:effectRef>
+          <a:fontRef idx="minor">
+            <a:schemeClr val="lt1"/>
+          </a:fontRef>
+        </p:style>
         <p:txBody>
-          <a:bodyPr/>
+          <a:bodyPr rtlCol="0" anchor="ctr"/>
           <a:lstStyle/>
           <a:p>
-            <a:r>
-              <a:rPr lang="en-US" dirty="0"/>
-              <a:t>&lt;insert graph&gt;</a:t>
-            </a:r>
+            <a:pPr algn="ctr"/>
+            <a:endParaRPr lang="en-US"/>
           </a:p>
         </p:txBody>
       </p:sp>
+      <p:pic>
+        <p:nvPicPr>
+          <p:cNvPr id="4" name="Picture 3">
+            <a:extLst>
+              <a:ext uri="{FF2B5EF4-FFF2-40B4-BE49-F238E27FC236}">
+                <a16:creationId xmlns:a16="http://schemas.microsoft.com/office/drawing/2014/main" id="{3EE57635-1117-41DD-A56B-201BF35AE0C2}"/>
+              </a:ext>
+            </a:extLst>
+          </p:cNvPr>
+          <p:cNvPicPr>
+            <a:picLocks noChangeAspect="1"/>
+          </p:cNvPicPr>
+          <p:nvPr/>
+        </p:nvPicPr>
+        <p:blipFill>
+          <a:blip r:embed="rId2"/>
+          <a:stretch>
+            <a:fillRect/>
+          </a:stretch>
+        </p:blipFill>
+        <p:spPr>
+          <a:xfrm>
+            <a:off x="643465" y="1179242"/>
+            <a:ext cx="6909479" cy="4508434"/>
+          </a:xfrm>
+          <a:prstGeom prst="roundRect">
+            <a:avLst>
+              <a:gd name="adj" fmla="val 2981"/>
+            </a:avLst>
+          </a:prstGeom>
+          <a:ln w="82550" cap="sq">
+            <a:solidFill>
+              <a:srgbClr val="EAEAEA"/>
+            </a:solidFill>
+            <a:miter lim="800000"/>
+          </a:ln>
+          <a:effectLst/>
+          <a:scene3d>
+            <a:camera prst="orthographicFront"/>
+            <a:lightRig rig="threePt" dir="t">
+              <a:rot lat="0" lon="0" rev="2700000"/>
+            </a:lightRig>
+          </a:scene3d>
+          <a:sp3d contourW="6350">
+            <a:bevelT h="38100"/>
+            <a:contourClr>
+              <a:srgbClr val="C0C0C0"/>
+            </a:contourClr>
+          </a:sp3d>
+        </p:spPr>
+      </p:pic>
+      <p:pic>
+        <p:nvPicPr>
+          <p:cNvPr id="11" name="Picture 10">
+            <a:extLst>
+              <a:ext uri="{FF2B5EF4-FFF2-40B4-BE49-F238E27FC236}">
+                <a16:creationId xmlns:a16="http://schemas.microsoft.com/office/drawing/2014/main" id="{E3265C2A-0A58-43AD-A406-8F4478E28758}"/>
+              </a:ext>
+              <a:ext uri="{C183D7F6-B498-43B3-948B-1728B52AA6E4}">
+                <adec:decorative xmlns:adec="http://schemas.microsoft.com/office/drawing/2017/decorative" val="1"/>
+              </a:ext>
+            </a:extLst>
+          </p:cNvPr>
+          <p:cNvPicPr>
+            <a:picLocks noGrp="1" noRot="1" noChangeAspect="1" noMove="1" noResize="1" noEditPoints="1" noAdjustHandles="1" noChangeArrowheads="1" noChangeShapeType="1" noCrop="1"/>
+          </p:cNvPicPr>
+          <p:nvPr>
+            <p:extLst>
+              <p:ext uri="{386F3935-93C4-4BCD-93E2-E3B085C9AB24}">
+                <p16:designElem xmlns:p16="http://schemas.microsoft.com/office/powerpoint/2015/main" val="1"/>
+              </p:ext>
+            </p:extLst>
+          </p:nvPr>
+        </p:nvPicPr>
+        <p:blipFill>
+          <a:blip r:embed="rId3">
+            <a:extLst>
+              <a:ext uri="{28A0092B-C50C-407E-A947-70E740481C1C}">
+                <a14:useLocalDpi xmlns:a14="http://schemas.microsoft.com/office/drawing/2010/main" val="0"/>
+              </a:ext>
+            </a:extLst>
+          </a:blip>
+          <a:stretch>
+            <a:fillRect/>
+          </a:stretch>
+        </p:blipFill>
+        <p:spPr>
+          <a:xfrm>
+            <a:off x="0" y="0"/>
+            <a:ext cx="12192000" cy="6858000"/>
+          </a:xfrm>
+          <a:prstGeom prst="rect">
+            <a:avLst/>
+          </a:prstGeom>
+        </p:spPr>
+      </p:pic>
       <p:sp>
         <p:nvSpPr>
           <p:cNvPr id="3" name="Content Placeholder 2">
@@ -25001,7 +25464,12 @@
             <p:ph idx="1"/>
           </p:nvPr>
         </p:nvSpPr>
-        <p:spPr/>
+        <p:spPr>
+          <a:xfrm>
+            <a:off x="8196408" y="1488345"/>
+            <a:ext cx="3352128" cy="3881309"/>
+          </a:xfrm>
+        </p:spPr>
         <p:txBody>
           <a:bodyPr>
             <a:normAutofit/>
@@ -25009,10 +25477,13 @@
           <a:lstStyle/>
           <a:p>
             <a:pPr marL="0" indent="0">
+              <a:lnSpc>
+                <a:spcPct val="110000"/>
+              </a:lnSpc>
               <a:buNone/>
             </a:pPr>
             <a:r>
-              <a:rPr lang="en-US" dirty="0"/>
+              <a:rPr lang="en-US" sz="1700" dirty="0"/>
               <a:t>One anomaly we uncovered throughout this analysis were the metrics related to Hawaii. Although the state boasts the lowest rate of unemployment in the nation and one of the lowest poverty rates, they hold the second highest concentration of homeless individuals within their population with a rate of 0.51%.</a:t>
             </a:r>
           </a:p>
@@ -26939,7 +27410,7 @@
             <p:ph idx="1"/>
             <p:extLst>
               <p:ext uri="{D42A27DB-BD31-4B8C-83A1-F6EECF244321}">
-                <p14:modId xmlns:p14="http://schemas.microsoft.com/office/powerpoint/2010/main" val="81921665"/>
+                <p14:modId xmlns:p14="http://schemas.microsoft.com/office/powerpoint/2010/main" val="1204237554"/>
               </p:ext>
             </p:extLst>
           </p:nvPr>
@@ -28116,6 +28587,28 @@
 <file path=ppt/slides/slide8.xml><?xml version="1.0" encoding="utf-8"?>
 <p:sld xmlns:a="http://schemas.openxmlformats.org/drawingml/2006/main" xmlns:r="http://schemas.openxmlformats.org/officeDocument/2006/relationships" xmlns:p="http://schemas.openxmlformats.org/presentationml/2006/main">
   <p:cSld>
+    <p:bg>
+      <p:bgPr>
+        <a:gradFill rotWithShape="1">
+          <a:gsLst>
+            <a:gs pos="0">
+              <a:schemeClr val="bg1">
+                <a:tint val="90000"/>
+                <a:lumMod val="110000"/>
+              </a:schemeClr>
+            </a:gs>
+            <a:gs pos="100000">
+              <a:schemeClr val="bg1">
+                <a:shade val="64000"/>
+                <a:lumMod val="88000"/>
+              </a:schemeClr>
+            </a:gs>
+          </a:gsLst>
+          <a:lin ang="5400000" scaled="0"/>
+        </a:gradFill>
+        <a:effectLst/>
+      </p:bgPr>
+    </p:bg>
     <p:spTree>
       <p:nvGrpSpPr>
         <p:cNvPr id="1" name=""/>
@@ -28130,6 +28623,162 @@
           <a:chExt cx="0" cy="0"/>
         </a:xfrm>
       </p:grpSpPr>
+      <p:sp useBgFill="1">
+        <p:nvSpPr>
+          <p:cNvPr id="9" name="Rectangle 8">
+            <a:extLst>
+              <a:ext uri="{FF2B5EF4-FFF2-40B4-BE49-F238E27FC236}">
+                <a16:creationId xmlns:a16="http://schemas.microsoft.com/office/drawing/2014/main" id="{10D21FCB-56CB-4EFA-A79A-A9A8EC0F722E}"/>
+              </a:ext>
+              <a:ext uri="{C183D7F6-B498-43B3-948B-1728B52AA6E4}">
+                <adec:decorative xmlns:adec="http://schemas.microsoft.com/office/drawing/2017/decorative" val="1"/>
+              </a:ext>
+            </a:extLst>
+          </p:cNvPr>
+          <p:cNvSpPr>
+            <a:spLocks noGrp="1" noRot="1" noChangeAspect="1" noMove="1" noResize="1" noEditPoints="1" noAdjustHandles="1" noChangeArrowheads="1" noChangeShapeType="1" noTextEdit="1"/>
+          </p:cNvSpPr>
+          <p:nvPr>
+            <p:extLst>
+              <p:ext uri="{386F3935-93C4-4BCD-93E2-E3B085C9AB24}">
+                <p16:designElem xmlns:p16="http://schemas.microsoft.com/office/powerpoint/2015/main" val="1"/>
+              </p:ext>
+            </p:extLst>
+          </p:nvPr>
+        </p:nvSpPr>
+        <p:spPr>
+          <a:xfrm>
+            <a:off x="0" y="0"/>
+            <a:ext cx="12192000" cy="6858000"/>
+          </a:xfrm>
+          <a:prstGeom prst="rect">
+            <a:avLst/>
+          </a:prstGeom>
+          <a:ln>
+            <a:noFill/>
+          </a:ln>
+        </p:spPr>
+        <p:style>
+          <a:lnRef idx="2">
+            <a:schemeClr val="accent1">
+              <a:shade val="50000"/>
+            </a:schemeClr>
+          </a:lnRef>
+          <a:fillRef idx="1">
+            <a:schemeClr val="accent1"/>
+          </a:fillRef>
+          <a:effectRef idx="0">
+            <a:schemeClr val="accent1"/>
+          </a:effectRef>
+          <a:fontRef idx="minor">
+            <a:schemeClr val="lt1"/>
+          </a:fontRef>
+        </p:style>
+        <p:txBody>
+          <a:bodyPr rtlCol="0" anchor="ctr"/>
+          <a:lstStyle/>
+          <a:p>
+            <a:pPr algn="ctr"/>
+            <a:endParaRPr lang="en-US"/>
+          </a:p>
+        </p:txBody>
+      </p:sp>
+      <p:pic>
+        <p:nvPicPr>
+          <p:cNvPr id="4" name="Picture 3" descr="A close up of a map&#10;&#10;Description automatically generated">
+            <a:extLst>
+              <a:ext uri="{FF2B5EF4-FFF2-40B4-BE49-F238E27FC236}">
+                <a16:creationId xmlns:a16="http://schemas.microsoft.com/office/drawing/2014/main" id="{8F2BAB0A-1F5B-420B-B1DB-DF6009E89498}"/>
+              </a:ext>
+            </a:extLst>
+          </p:cNvPr>
+          <p:cNvPicPr>
+            <a:picLocks noChangeAspect="1"/>
+          </p:cNvPicPr>
+          <p:nvPr/>
+        </p:nvPicPr>
+        <p:blipFill>
+          <a:blip r:embed="rId2"/>
+          <a:stretch>
+            <a:fillRect/>
+          </a:stretch>
+        </p:blipFill>
+        <p:spPr>
+          <a:xfrm>
+            <a:off x="5078061" y="991591"/>
+            <a:ext cx="6200163" cy="4417616"/>
+          </a:xfrm>
+          <a:prstGeom prst="roundRect">
+            <a:avLst>
+              <a:gd name="adj" fmla="val 2392"/>
+            </a:avLst>
+          </a:prstGeom>
+          <a:ln w="82550" cap="sq">
+            <a:solidFill>
+              <a:srgbClr val="EAEAEA"/>
+            </a:solidFill>
+            <a:miter lim="800000"/>
+          </a:ln>
+          <a:effectLst/>
+          <a:scene3d>
+            <a:camera prst="orthographicFront"/>
+            <a:lightRig rig="threePt" dir="t">
+              <a:rot lat="0" lon="0" rev="2700000"/>
+            </a:lightRig>
+          </a:scene3d>
+          <a:sp3d contourW="6350">
+            <a:bevelT h="38100"/>
+            <a:contourClr>
+              <a:srgbClr val="C0C0C0"/>
+            </a:contourClr>
+          </a:sp3d>
+        </p:spPr>
+      </p:pic>
+      <p:pic>
+        <p:nvPicPr>
+          <p:cNvPr id="11" name="Picture 10">
+            <a:extLst>
+              <a:ext uri="{FF2B5EF4-FFF2-40B4-BE49-F238E27FC236}">
+                <a16:creationId xmlns:a16="http://schemas.microsoft.com/office/drawing/2014/main" id="{B1027BD9-272C-4CC4-9396-1708F8B1F40D}"/>
+              </a:ext>
+              <a:ext uri="{C183D7F6-B498-43B3-948B-1728B52AA6E4}">
+                <adec:decorative xmlns:adec="http://schemas.microsoft.com/office/drawing/2017/decorative" val="1"/>
+              </a:ext>
+            </a:extLst>
+          </p:cNvPr>
+          <p:cNvPicPr>
+            <a:picLocks noGrp="1" noRot="1" noChangeAspect="1" noMove="1" noResize="1" noEditPoints="1" noAdjustHandles="1" noChangeArrowheads="1" noChangeShapeType="1" noCrop="1"/>
+          </p:cNvPicPr>
+          <p:nvPr>
+            <p:extLst>
+              <p:ext uri="{386F3935-93C4-4BCD-93E2-E3B085C9AB24}">
+                <p16:designElem xmlns:p16="http://schemas.microsoft.com/office/powerpoint/2015/main" val="1"/>
+              </p:ext>
+            </p:extLst>
+          </p:nvPr>
+        </p:nvPicPr>
+        <p:blipFill>
+          <a:blip r:embed="rId3">
+            <a:extLst>
+              <a:ext uri="{28A0092B-C50C-407E-A947-70E740481C1C}">
+                <a14:useLocalDpi xmlns:a14="http://schemas.microsoft.com/office/drawing/2010/main" val="0"/>
+              </a:ext>
+            </a:extLst>
+          </a:blip>
+          <a:stretch>
+            <a:fillRect/>
+          </a:stretch>
+        </p:blipFill>
+        <p:spPr>
+          <a:xfrm>
+            <a:off x="0" y="0"/>
+            <a:ext cx="12192000" cy="6858000"/>
+          </a:xfrm>
+          <a:prstGeom prst="rect">
+            <a:avLst/>
+          </a:prstGeom>
+        </p:spPr>
+      </p:pic>
       <p:sp>
         <p:nvSpPr>
           <p:cNvPr id="2" name="Title 1">
@@ -28146,16 +28795,24 @@
             <p:ph type="title"/>
           </p:nvPr>
         </p:nvSpPr>
-        <p:spPr/>
+        <p:spPr>
+          <a:xfrm>
+            <a:off x="913776" y="618517"/>
+            <a:ext cx="3893976" cy="1596177"/>
+          </a:xfrm>
+        </p:spPr>
         <p:txBody>
-          <a:bodyPr/>
+          <a:bodyPr anchor="b">
+            <a:normAutofit/>
+          </a:bodyPr>
           <a:lstStyle/>
           <a:p>
+            <a:pPr algn="l"/>
             <a:br>
-              <a:rPr lang="en-US" dirty="0"/>
+              <a:rPr lang="en-US" sz="2700"/>
             </a:br>
             <a:r>
-              <a:rPr lang="en-US" dirty="0"/>
+              <a:rPr lang="en-US" sz="2700"/>
               <a:t>Homeless population % of state population (2010 – 2017)</a:t>
             </a:r>
           </a:p>
@@ -28177,7 +28834,12 @@
             <p:ph idx="1"/>
           </p:nvPr>
         </p:nvSpPr>
-        <p:spPr/>
+        <p:spPr>
+          <a:xfrm>
+            <a:off x="913774" y="2367092"/>
+            <a:ext cx="3893978" cy="3424107"/>
+          </a:xfrm>
+        </p:spPr>
         <p:txBody>
           <a:bodyPr>
             <a:normAutofit/>
@@ -28188,17 +28850,8 @@
               <a:buNone/>
             </a:pPr>
             <a:r>
-              <a:rPr lang="en-US" dirty="0"/>
+              <a:rPr lang="en-US" sz="1600"/>
               <a:t>CONTRARY TO HUD’S BUDGET INCREASE IN 2017 (AND OUR ANECDOTAL EXERIENCE IN CALIFORNIA), NATIONWIDE, OUR HOMELESS POPULATION HAS ACTUALLY DECREASED FROM 2010 – 2017.</a:t>
-            </a:r>
-          </a:p>
-          <a:p>
-            <a:pPr marL="0" indent="0">
-              <a:buNone/>
-            </a:pPr>
-            <a:r>
-              <a:rPr lang="en-US" dirty="0"/>
-              <a:t>&lt;&lt;INSERT GRAPH&gt;&gt;</a:t>
             </a:r>
           </a:p>
         </p:txBody>
